--- a/public/upload/ppt/1662515239603.pptx
+++ b/public/upload/ppt/1662515239603.pptx
@@ -1,94 +1,12 @@
 
-<file path=docProps\app.xml><?xml version="1.0" encoding="utf-8"?>
-<Properties xmlns="http://schemas.openxmlformats.org/officeDocument/2006/extended-properties" xmlns:vt="http://schemas.openxmlformats.org/officeDocument/2006/docPropsVTypes">
-  <TotalTime>0</TotalTime>
-  <Words>1</Words>
-  <Application>Microsoft Office PowerPoint</Application>
-  <PresentationFormat>Widescreen</PresentationFormat>
-  <Paragraphs>8</Paragraphs>
-  <Slides>8</Slides>
-  <Notes>0</Notes>
-  <HiddenSlides>0</HiddenSlides>
-  <MMClips>0</MMClips>
-  <ScaleCrop>false</ScaleCrop>
-  <HeadingPairs>
-    <vt:vector size="6" baseType="variant">
-      <vt:variant>
-        <vt:lpstr>Fonts Used</vt:lpstr>
-      </vt:variant>
-      <vt:variant>
-        <vt:i4>4</vt:i4>
-      </vt:variant>
-      <vt:variant>
-        <vt:lpstr>Theme</vt:lpstr>
-      </vt:variant>
-      <vt:variant>
-        <vt:i4>1</vt:i4>
-      </vt:variant>
-      <vt:variant>
-        <vt:lpstr>Slide Titles</vt:lpstr>
-      </vt:variant>
-      <vt:variant>
-        <vt:i4>8</vt:i4>
-      </vt:variant>
-    </vt:vector>
-  </HeadingPairs>
-  <TitlesOfParts>
-    <vt:vector size="13" baseType="lpstr">
-      <vt:lpstr>Arial</vt:lpstr>
-      <vt:lpstr>Calibri</vt:lpstr>
-      <vt:lpstr>Calibri Light</vt:lpstr>
-      <vt:lpstr>Times New Roman</vt:lpstr>
-      <vt:lpstr>Office Theme</vt:lpstr>
-      <vt:lpstr>Giê-Hô-Va Nissi</vt:lpstr>
-      <vt:lpstr>Slide số: 2</vt:lpstr>
-      <vt:lpstr>Slide số: 3</vt:lpstr>
-      <vt:lpstr>Slide số: 4</vt:lpstr>
-      <vt:lpstr>Slide số: 5</vt:lpstr>
-      <vt:lpstr>Slide số: 6</vt:lpstr>
-      <vt:lpstr>Slide số: 7</vt:lpstr>
-      <vt:lpstr>Slide số: 8</vt:lpstr>
-    </vt:vector>
-  </TitlesOfParts>
-  <LinksUpToDate>false</LinksUpToDate>
-  <SharedDoc>false</SharedDoc>
-  <HyperlinksChanged>false</HyperlinksChanged>
-  <AppVersion>16.0000</AppVersion>
-</Properties>
-</file>
-
-<file path=docProps\core.xml><?xml version="1.0" encoding="utf-8"?>
-<cp:coreProperties xmlns:cp="http://schemas.openxmlformats.org/package/2006/metadata/core-properties" xmlns:dc="http://purl.org/dc/elements/1.1/" xmlns:dcterms="http://purl.org/dc/terms/" xmlns:dcmitype="http://purl.org/dc/dcmitype/" xmlns:xsi="http://www.w3.org/2001/XMLSchema-instance">
-  <dc:title>Giê-Hô-Va Nissi</dc:title>
-  <dc:creator>Bùi Đa Vít;Trần yến Vy;Phạm Thị Hoàng Giang;Nguyễn Phương Anh</dc:creator>
-  <cp:lastModifiedBy>Bùi Đa Vít</cp:lastModifiedBy>
-  <cp:revision>2</cp:revision>
-  <dcterms:created xsi:type="dcterms:W3CDTF">2022-08-10T20:34:22Z</dcterms:created>
-  <dcterms:modified xsi:type="dcterms:W3CDTF">2022-08-10T20:34:25Z</dcterms:modified>
-</cp:coreProperties>
-</file>
-
-<file path=ppt\presProps.xml><?xml version="1.0" encoding="utf-8"?>
-<p:presentationPr xmlns:a="http://schemas.openxmlformats.org/drawingml/2006/main" xmlns:r="http://schemas.openxmlformats.org/officeDocument/2006/relationships" xmlns:p="http://schemas.openxmlformats.org/presentationml/2006/main">
-  <p:extLst>
-    <p:ext uri="{E76CE94A-603C-4142-B9EB-6D1370010A27}">
-      <p14:discardImageEditData xmlns:p14="http://schemas.microsoft.com/office/powerpoint/2010/main" val="0"/>
-    </p:ext>
-    <p:ext uri="{D31A062A-798A-4329-ABDD-BBA856620510}">
-      <p14:defaultImageDpi xmlns:p14="http://schemas.microsoft.com/office/powerpoint/2010/main" val="32767"/>
-    </p:ext>
-    <p:ext uri="{FD5EFAAD-0ECE-453E-9831-46B23BE46B34}">
-      <p15:chartTrackingRefBased xmlns:p15="http://schemas.microsoft.com/office/powerpoint/2012/main" val="1"/>
-    </p:ext>
-  </p:extLst>
-</p:presentationPr>
-</file>
-
-<file path=ppt\presentation.xml><?xml version="1.0" encoding="utf-8"?>
+<file path=ppt/presentation.xml><?xml version="1.0" encoding="utf-8"?>
 <p:presentation xmlns:a="http://schemas.openxmlformats.org/drawingml/2006/main" xmlns:r="http://schemas.openxmlformats.org/officeDocument/2006/relationships" xmlns:p="http://schemas.openxmlformats.org/presentationml/2006/main" saveSubsetFonts="1">
   <p:sldMasterIdLst>
     <p:sldMasterId id="2147483648" r:id="rId1"/>
   </p:sldMasterIdLst>
+  <p:notesMasterIdLst>
+    <p:notesMasterId r:id="rId10"/>
+  </p:notesMasterIdLst>
   <p:sldIdLst>
     <p:sldId id="256" r:id="rId2"/>
     <p:sldId id="257" r:id="rId3"/>
@@ -101,6 +19,9 @@
   </p:sldIdLst>
   <p:sldSz cx="12192000" cy="6858000"/>
   <p:notesSz cx="6858000" cy="9144000"/>
+  <p:custDataLst>
+    <p:tags r:id="rId11"/>
+  </p:custDataLst>
   <p:defaultTextStyle>
     <a:defPPr>
       <a:defRPr lang="en-US"/>
@@ -204,7 +125,1029 @@
 </p:presentation>
 </file>
 
-<file path=ppt\slideLayouts\slideLayout1.xml><?xml version="1.0" encoding="utf-8"?>
+<file path=ppt/notesMasters/notesMaster1.xml><?xml version="1.0" encoding="utf-8"?>
+<p:notesMaster xmlns:a="http://schemas.openxmlformats.org/drawingml/2006/main" xmlns:r="http://schemas.openxmlformats.org/officeDocument/2006/relationships" xmlns:p="http://schemas.openxmlformats.org/presentationml/2006/main">
+  <p:cSld>
+    <p:bg>
+      <p:bgRef idx="1001">
+        <a:schemeClr val="bg1"/>
+      </p:bgRef>
+    </p:bg>
+    <p:spTree>
+      <p:nvGrpSpPr>
+        <p:cNvPr id="1" name=""/>
+        <p:cNvGrpSpPr/>
+        <p:nvPr/>
+      </p:nvGrpSpPr>
+      <p:grpSpPr>
+        <a:xfrm>
+          <a:off x="0" y="0"/>
+          <a:ext cx="0" cy="0"/>
+          <a:chOff x="0" y="0"/>
+          <a:chExt cx="0" cy="0"/>
+        </a:xfrm>
+      </p:grpSpPr>
+      <p:sp>
+        <p:nvSpPr>
+          <p:cNvPr id="2" name="Header Placeholder 1"/>
+          <p:cNvSpPr>
+            <a:spLocks noGrp="1"/>
+          </p:cNvSpPr>
+          <p:nvPr>
+            <p:ph type="hdr" sz="quarter"/>
+          </p:nvPr>
+        </p:nvSpPr>
+        <p:spPr>
+          <a:xfrm>
+            <a:off x="0" y="0"/>
+            <a:ext cx="2971800" cy="458788"/>
+          </a:xfrm>
+          <a:prstGeom prst="rect">
+            <a:avLst/>
+          </a:prstGeom>
+        </p:spPr>
+        <p:txBody>
+          <a:bodyPr vert="horz" lIns="91440" tIns="45720" rIns="91440" bIns="45720" rtlCol="0"/>
+          <a:lstStyle>
+            <a:lvl1pPr algn="l">
+              <a:defRPr sz="1200"/>
+            </a:lvl1pPr>
+          </a:lstStyle>
+          <a:p>
+            <a:endParaRPr lang="en-US"/>
+          </a:p>
+        </p:txBody>
+      </p:sp>
+      <p:sp>
+        <p:nvSpPr>
+          <p:cNvPr id="3" name="Date Placeholder 2"/>
+          <p:cNvSpPr>
+            <a:spLocks noGrp="1"/>
+          </p:cNvSpPr>
+          <p:nvPr>
+            <p:ph type="dt" idx="1"/>
+          </p:nvPr>
+        </p:nvSpPr>
+        <p:spPr>
+          <a:xfrm>
+            <a:off x="3884613" y="0"/>
+            <a:ext cx="2971800" cy="458788"/>
+          </a:xfrm>
+          <a:prstGeom prst="rect">
+            <a:avLst/>
+          </a:prstGeom>
+        </p:spPr>
+        <p:txBody>
+          <a:bodyPr vert="horz" lIns="91440" tIns="45720" rIns="91440" bIns="45720" rtlCol="0"/>
+          <a:lstStyle>
+            <a:lvl1pPr algn="r">
+              <a:defRPr sz="1200"/>
+            </a:lvl1pPr>
+          </a:lstStyle>
+          <a:p>
+            <a:fld id="{A98CAAE2-BA9B-4FA9-8CD7-644AF7C54A2E}" type="datetimeFigureOut">
+              <a:rPr lang="en-US" smtClean="0"/>
+              <a:t>9/22/2022</a:t>
+            </a:fld>
+            <a:endParaRPr lang="en-US"/>
+          </a:p>
+        </p:txBody>
+      </p:sp>
+      <p:sp>
+        <p:nvSpPr>
+          <p:cNvPr id="4" name="Slide Image Placeholder 3"/>
+          <p:cNvSpPr>
+            <a:spLocks noGrp="1" noRot="1" noChangeAspect="1"/>
+          </p:cNvSpPr>
+          <p:nvPr>
+            <p:ph type="sldImg" idx="2"/>
+          </p:nvPr>
+        </p:nvSpPr>
+        <p:spPr>
+          <a:xfrm>
+            <a:off x="685800" y="1143000"/>
+            <a:ext cx="5486400" cy="3086100"/>
+          </a:xfrm>
+          <a:prstGeom prst="rect">
+            <a:avLst/>
+          </a:prstGeom>
+          <a:noFill/>
+          <a:ln w="12700">
+            <a:solidFill>
+              <a:prstClr val="black"/>
+            </a:solidFill>
+          </a:ln>
+        </p:spPr>
+        <p:txBody>
+          <a:bodyPr vert="horz" lIns="91440" tIns="45720" rIns="91440" bIns="45720" rtlCol="0" anchor="ctr"/>
+          <a:lstStyle/>
+          <a:p>
+            <a:endParaRPr lang="en-US"/>
+          </a:p>
+        </p:txBody>
+      </p:sp>
+      <p:sp>
+        <p:nvSpPr>
+          <p:cNvPr id="5" name="Notes Placeholder 4"/>
+          <p:cNvSpPr>
+            <a:spLocks noGrp="1"/>
+          </p:cNvSpPr>
+          <p:nvPr>
+            <p:ph type="body" sz="quarter" idx="3"/>
+          </p:nvPr>
+        </p:nvSpPr>
+        <p:spPr>
+          <a:xfrm>
+            <a:off x="685800" y="4400550"/>
+            <a:ext cx="5486400" cy="3600450"/>
+          </a:xfrm>
+          <a:prstGeom prst="rect">
+            <a:avLst/>
+          </a:prstGeom>
+        </p:spPr>
+        <p:txBody>
+          <a:bodyPr vert="horz" lIns="91440" tIns="45720" rIns="91440" bIns="45720" rtlCol="0"/>
+          <a:lstStyle/>
+          <a:p>
+            <a:pPr lvl="0"/>
+            <a:r>
+              <a:rPr lang="en-US" smtClean="0"/>
+              <a:t>Click to edit Master text styles</a:t>
+            </a:r>
+          </a:p>
+          <a:p>
+            <a:pPr lvl="1"/>
+            <a:r>
+              <a:rPr lang="en-US" smtClean="0"/>
+              <a:t>Second level</a:t>
+            </a:r>
+          </a:p>
+          <a:p>
+            <a:pPr lvl="2"/>
+            <a:r>
+              <a:rPr lang="en-US" smtClean="0"/>
+              <a:t>Third level</a:t>
+            </a:r>
+          </a:p>
+          <a:p>
+            <a:pPr lvl="3"/>
+            <a:r>
+              <a:rPr lang="en-US" smtClean="0"/>
+              <a:t>Fourth level</a:t>
+            </a:r>
+          </a:p>
+          <a:p>
+            <a:pPr lvl="4"/>
+            <a:r>
+              <a:rPr lang="en-US" smtClean="0"/>
+              <a:t>Fifth level</a:t>
+            </a:r>
+            <a:endParaRPr lang="en-US"/>
+          </a:p>
+        </p:txBody>
+      </p:sp>
+      <p:sp>
+        <p:nvSpPr>
+          <p:cNvPr id="6" name="Footer Placeholder 5"/>
+          <p:cNvSpPr>
+            <a:spLocks noGrp="1"/>
+          </p:cNvSpPr>
+          <p:nvPr>
+            <p:ph type="ftr" sz="quarter" idx="4"/>
+          </p:nvPr>
+        </p:nvSpPr>
+        <p:spPr>
+          <a:xfrm>
+            <a:off x="0" y="8685213"/>
+            <a:ext cx="2971800" cy="458787"/>
+          </a:xfrm>
+          <a:prstGeom prst="rect">
+            <a:avLst/>
+          </a:prstGeom>
+        </p:spPr>
+        <p:txBody>
+          <a:bodyPr vert="horz" lIns="91440" tIns="45720" rIns="91440" bIns="45720" rtlCol="0" anchor="b"/>
+          <a:lstStyle>
+            <a:lvl1pPr algn="l">
+              <a:defRPr sz="1200"/>
+            </a:lvl1pPr>
+          </a:lstStyle>
+          <a:p>
+            <a:endParaRPr lang="en-US"/>
+          </a:p>
+        </p:txBody>
+      </p:sp>
+      <p:sp>
+        <p:nvSpPr>
+          <p:cNvPr id="7" name="Slide Number Placeholder 6"/>
+          <p:cNvSpPr>
+            <a:spLocks noGrp="1"/>
+          </p:cNvSpPr>
+          <p:nvPr>
+            <p:ph type="sldNum" sz="quarter" idx="5"/>
+          </p:nvPr>
+        </p:nvSpPr>
+        <p:spPr>
+          <a:xfrm>
+            <a:off x="3884613" y="8685213"/>
+            <a:ext cx="2971800" cy="458787"/>
+          </a:xfrm>
+          <a:prstGeom prst="rect">
+            <a:avLst/>
+          </a:prstGeom>
+        </p:spPr>
+        <p:txBody>
+          <a:bodyPr vert="horz" lIns="91440" tIns="45720" rIns="91440" bIns="45720" rtlCol="0" anchor="b"/>
+          <a:lstStyle>
+            <a:lvl1pPr algn="r">
+              <a:defRPr sz="1200"/>
+            </a:lvl1pPr>
+          </a:lstStyle>
+          <a:p>
+            <a:fld id="{2D389D1D-D919-4655-94F6-60742D744A2E}" type="slidenum">
+              <a:rPr lang="en-US" smtClean="0"/>
+              <a:t>‹#›</a:t>
+            </a:fld>
+            <a:endParaRPr lang="en-US"/>
+          </a:p>
+        </p:txBody>
+      </p:sp>
+    </p:spTree>
+    <p:extLst>
+      <p:ext uri="{BB962C8B-B14F-4D97-AF65-F5344CB8AC3E}">
+        <p14:creationId xmlns:p14="http://schemas.microsoft.com/office/powerpoint/2010/main" val="1200643044"/>
+      </p:ext>
+    </p:extLst>
+  </p:cSld>
+  <p:clrMap bg1="lt1" tx1="dk1" bg2="lt2" tx2="dk2" accent1="accent1" accent2="accent2" accent3="accent3" accent4="accent4" accent5="accent5" accent6="accent6" hlink="hlink" folHlink="folHlink"/>
+  <p:notesStyle>
+    <a:lvl1pPr marL="0" algn="l" defTabSz="914400" rtl="0" eaLnBrk="1" latinLnBrk="0" hangingPunct="1">
+      <a:defRPr sz="1200" kern="1200">
+        <a:solidFill>
+          <a:schemeClr val="tx1"/>
+        </a:solidFill>
+        <a:latin typeface="+mn-lt"/>
+        <a:ea typeface="+mn-ea"/>
+        <a:cs typeface="+mn-cs"/>
+      </a:defRPr>
+    </a:lvl1pPr>
+    <a:lvl2pPr marL="457200" algn="l" defTabSz="914400" rtl="0" eaLnBrk="1" latinLnBrk="0" hangingPunct="1">
+      <a:defRPr sz="1200" kern="1200">
+        <a:solidFill>
+          <a:schemeClr val="tx1"/>
+        </a:solidFill>
+        <a:latin typeface="+mn-lt"/>
+        <a:ea typeface="+mn-ea"/>
+        <a:cs typeface="+mn-cs"/>
+      </a:defRPr>
+    </a:lvl2pPr>
+    <a:lvl3pPr marL="914400" algn="l" defTabSz="914400" rtl="0" eaLnBrk="1" latinLnBrk="0" hangingPunct="1">
+      <a:defRPr sz="1200" kern="1200">
+        <a:solidFill>
+          <a:schemeClr val="tx1"/>
+        </a:solidFill>
+        <a:latin typeface="+mn-lt"/>
+        <a:ea typeface="+mn-ea"/>
+        <a:cs typeface="+mn-cs"/>
+      </a:defRPr>
+    </a:lvl3pPr>
+    <a:lvl4pPr marL="1371600" algn="l" defTabSz="914400" rtl="0" eaLnBrk="1" latinLnBrk="0" hangingPunct="1">
+      <a:defRPr sz="1200" kern="1200">
+        <a:solidFill>
+          <a:schemeClr val="tx1"/>
+        </a:solidFill>
+        <a:latin typeface="+mn-lt"/>
+        <a:ea typeface="+mn-ea"/>
+        <a:cs typeface="+mn-cs"/>
+      </a:defRPr>
+    </a:lvl4pPr>
+    <a:lvl5pPr marL="1828800" algn="l" defTabSz="914400" rtl="0" eaLnBrk="1" latinLnBrk="0" hangingPunct="1">
+      <a:defRPr sz="1200" kern="1200">
+        <a:solidFill>
+          <a:schemeClr val="tx1"/>
+        </a:solidFill>
+        <a:latin typeface="+mn-lt"/>
+        <a:ea typeface="+mn-ea"/>
+        <a:cs typeface="+mn-cs"/>
+      </a:defRPr>
+    </a:lvl5pPr>
+    <a:lvl6pPr marL="2286000" algn="l" defTabSz="914400" rtl="0" eaLnBrk="1" latinLnBrk="0" hangingPunct="1">
+      <a:defRPr sz="1200" kern="1200">
+        <a:solidFill>
+          <a:schemeClr val="tx1"/>
+        </a:solidFill>
+        <a:latin typeface="+mn-lt"/>
+        <a:ea typeface="+mn-ea"/>
+        <a:cs typeface="+mn-cs"/>
+      </a:defRPr>
+    </a:lvl6pPr>
+    <a:lvl7pPr marL="2743200" algn="l" defTabSz="914400" rtl="0" eaLnBrk="1" latinLnBrk="0" hangingPunct="1">
+      <a:defRPr sz="1200" kern="1200">
+        <a:solidFill>
+          <a:schemeClr val="tx1"/>
+        </a:solidFill>
+        <a:latin typeface="+mn-lt"/>
+        <a:ea typeface="+mn-ea"/>
+        <a:cs typeface="+mn-cs"/>
+      </a:defRPr>
+    </a:lvl7pPr>
+    <a:lvl8pPr marL="3200400" algn="l" defTabSz="914400" rtl="0" eaLnBrk="1" latinLnBrk="0" hangingPunct="1">
+      <a:defRPr sz="1200" kern="1200">
+        <a:solidFill>
+          <a:schemeClr val="tx1"/>
+        </a:solidFill>
+        <a:latin typeface="+mn-lt"/>
+        <a:ea typeface="+mn-ea"/>
+        <a:cs typeface="+mn-cs"/>
+      </a:defRPr>
+    </a:lvl8pPr>
+    <a:lvl9pPr marL="3657600" algn="l" defTabSz="914400" rtl="0" eaLnBrk="1" latinLnBrk="0" hangingPunct="1">
+      <a:defRPr sz="1200" kern="1200">
+        <a:solidFill>
+          <a:schemeClr val="tx1"/>
+        </a:solidFill>
+        <a:latin typeface="+mn-lt"/>
+        <a:ea typeface="+mn-ea"/>
+        <a:cs typeface="+mn-cs"/>
+      </a:defRPr>
+    </a:lvl9pPr>
+  </p:notesStyle>
+</p:notesMaster>
+</file>
+
+<file path=ppt/notesSlides/notesSlide1.xml><?xml version="1.0" encoding="utf-8"?>
+<p:notes xmlns:a="http://schemas.openxmlformats.org/drawingml/2006/main" xmlns:r="http://schemas.openxmlformats.org/officeDocument/2006/relationships" xmlns:p="http://schemas.openxmlformats.org/presentationml/2006/main">
+  <p:cSld>
+    <p:spTree>
+      <p:nvGrpSpPr>
+        <p:cNvPr id="1" name=""/>
+        <p:cNvGrpSpPr/>
+        <p:nvPr/>
+      </p:nvGrpSpPr>
+      <p:grpSpPr>
+        <a:xfrm>
+          <a:off x="0" y="0"/>
+          <a:ext cx="0" cy="0"/>
+          <a:chOff x="0" y="0"/>
+          <a:chExt cx="0" cy="0"/>
+        </a:xfrm>
+      </p:grpSpPr>
+      <p:sp>
+        <p:nvSpPr>
+          <p:cNvPr id="2" name="Slide Image Placeholder 1"/>
+          <p:cNvSpPr>
+            <a:spLocks noGrp="1" noRot="1" noChangeAspect="1"/>
+          </p:cNvSpPr>
+          <p:nvPr>
+            <p:ph type="sldImg"/>
+          </p:nvPr>
+        </p:nvSpPr>
+        <p:spPr/>
+      </p:sp>
+      <p:sp>
+        <p:nvSpPr>
+          <p:cNvPr id="3" name="Notes Placeholder 2"/>
+          <p:cNvSpPr>
+            <a:spLocks noGrp="1"/>
+          </p:cNvSpPr>
+          <p:nvPr>
+            <p:ph type="body" idx="1"/>
+          </p:nvPr>
+        </p:nvSpPr>
+        <p:spPr/>
+        <p:txBody>
+          <a:bodyPr/>
+          <a:lstStyle/>
+          <a:p>
+            <a:endParaRPr lang="en-US"/>
+          </a:p>
+        </p:txBody>
+      </p:sp>
+      <p:sp>
+        <p:nvSpPr>
+          <p:cNvPr id="4" name="Slide Number Placeholder 3"/>
+          <p:cNvSpPr>
+            <a:spLocks noGrp="1"/>
+          </p:cNvSpPr>
+          <p:nvPr>
+            <p:ph type="sldNum" sz="quarter" idx="10"/>
+          </p:nvPr>
+        </p:nvSpPr>
+        <p:spPr/>
+        <p:txBody>
+          <a:bodyPr/>
+          <a:lstStyle/>
+          <a:p>
+            <a:fld id="{2D389D1D-D919-4655-94F6-60742D744A2E}" type="slidenum">
+              <a:rPr lang="en-US" smtClean="0"/>
+              <a:t>1</a:t>
+            </a:fld>
+            <a:endParaRPr lang="en-US"/>
+          </a:p>
+        </p:txBody>
+      </p:sp>
+    </p:spTree>
+    <p:extLst>
+      <p:ext uri="{BB962C8B-B14F-4D97-AF65-F5344CB8AC3E}">
+        <p14:creationId xmlns:p14="http://schemas.microsoft.com/office/powerpoint/2010/main" val="54841716"/>
+      </p:ext>
+    </p:extLst>
+  </p:cSld>
+  <p:clrMapOvr>
+    <a:masterClrMapping/>
+  </p:clrMapOvr>
+</p:notes>
+</file>
+
+<file path=ppt/notesSlides/notesSlide2.xml><?xml version="1.0" encoding="utf-8"?>
+<p:notes xmlns:a="http://schemas.openxmlformats.org/drawingml/2006/main" xmlns:r="http://schemas.openxmlformats.org/officeDocument/2006/relationships" xmlns:p="http://schemas.openxmlformats.org/presentationml/2006/main">
+  <p:cSld>
+    <p:spTree>
+      <p:nvGrpSpPr>
+        <p:cNvPr id="1" name=""/>
+        <p:cNvGrpSpPr/>
+        <p:nvPr/>
+      </p:nvGrpSpPr>
+      <p:grpSpPr>
+        <a:xfrm>
+          <a:off x="0" y="0"/>
+          <a:ext cx="0" cy="0"/>
+          <a:chOff x="0" y="0"/>
+          <a:chExt cx="0" cy="0"/>
+        </a:xfrm>
+      </p:grpSpPr>
+      <p:sp>
+        <p:nvSpPr>
+          <p:cNvPr id="2" name="Slide Image Placeholder 1"/>
+          <p:cNvSpPr>
+            <a:spLocks noGrp="1" noRot="1" noChangeAspect="1"/>
+          </p:cNvSpPr>
+          <p:nvPr>
+            <p:ph type="sldImg"/>
+          </p:nvPr>
+        </p:nvSpPr>
+        <p:spPr/>
+      </p:sp>
+      <p:sp>
+        <p:nvSpPr>
+          <p:cNvPr id="3" name="Notes Placeholder 2"/>
+          <p:cNvSpPr>
+            <a:spLocks noGrp="1"/>
+          </p:cNvSpPr>
+          <p:nvPr>
+            <p:ph type="body" idx="1"/>
+          </p:nvPr>
+        </p:nvSpPr>
+        <p:spPr/>
+        <p:txBody>
+          <a:bodyPr/>
+          <a:lstStyle/>
+          <a:p>
+            <a:endParaRPr lang="en-US"/>
+          </a:p>
+        </p:txBody>
+      </p:sp>
+      <p:sp>
+        <p:nvSpPr>
+          <p:cNvPr id="4" name="Slide Number Placeholder 3"/>
+          <p:cNvSpPr>
+            <a:spLocks noGrp="1"/>
+          </p:cNvSpPr>
+          <p:nvPr>
+            <p:ph type="sldNum" sz="quarter" idx="10"/>
+          </p:nvPr>
+        </p:nvSpPr>
+        <p:spPr/>
+        <p:txBody>
+          <a:bodyPr/>
+          <a:lstStyle/>
+          <a:p>
+            <a:fld id="{2D389D1D-D919-4655-94F6-60742D744A2E}" type="slidenum">
+              <a:rPr lang="en-US" smtClean="0"/>
+              <a:t>2</a:t>
+            </a:fld>
+            <a:endParaRPr lang="en-US"/>
+          </a:p>
+        </p:txBody>
+      </p:sp>
+    </p:spTree>
+    <p:extLst>
+      <p:ext uri="{BB962C8B-B14F-4D97-AF65-F5344CB8AC3E}">
+        <p14:creationId xmlns:p14="http://schemas.microsoft.com/office/powerpoint/2010/main" val="300490069"/>
+      </p:ext>
+    </p:extLst>
+  </p:cSld>
+  <p:clrMapOvr>
+    <a:masterClrMapping/>
+  </p:clrMapOvr>
+</p:notes>
+</file>
+
+<file path=ppt/notesSlides/notesSlide3.xml><?xml version="1.0" encoding="utf-8"?>
+<p:notes xmlns:a="http://schemas.openxmlformats.org/drawingml/2006/main" xmlns:r="http://schemas.openxmlformats.org/officeDocument/2006/relationships" xmlns:p="http://schemas.openxmlformats.org/presentationml/2006/main">
+  <p:cSld>
+    <p:spTree>
+      <p:nvGrpSpPr>
+        <p:cNvPr id="1" name=""/>
+        <p:cNvGrpSpPr/>
+        <p:nvPr/>
+      </p:nvGrpSpPr>
+      <p:grpSpPr>
+        <a:xfrm>
+          <a:off x="0" y="0"/>
+          <a:ext cx="0" cy="0"/>
+          <a:chOff x="0" y="0"/>
+          <a:chExt cx="0" cy="0"/>
+        </a:xfrm>
+      </p:grpSpPr>
+      <p:sp>
+        <p:nvSpPr>
+          <p:cNvPr id="2" name="Slide Image Placeholder 1"/>
+          <p:cNvSpPr>
+            <a:spLocks noGrp="1" noRot="1" noChangeAspect="1"/>
+          </p:cNvSpPr>
+          <p:nvPr>
+            <p:ph type="sldImg"/>
+          </p:nvPr>
+        </p:nvSpPr>
+        <p:spPr/>
+      </p:sp>
+      <p:sp>
+        <p:nvSpPr>
+          <p:cNvPr id="3" name="Notes Placeholder 2"/>
+          <p:cNvSpPr>
+            <a:spLocks noGrp="1"/>
+          </p:cNvSpPr>
+          <p:nvPr>
+            <p:ph type="body" idx="1"/>
+          </p:nvPr>
+        </p:nvSpPr>
+        <p:spPr/>
+        <p:txBody>
+          <a:bodyPr/>
+          <a:lstStyle/>
+          <a:p>
+            <a:endParaRPr lang="en-US"/>
+          </a:p>
+        </p:txBody>
+      </p:sp>
+      <p:sp>
+        <p:nvSpPr>
+          <p:cNvPr id="4" name="Slide Number Placeholder 3"/>
+          <p:cNvSpPr>
+            <a:spLocks noGrp="1"/>
+          </p:cNvSpPr>
+          <p:nvPr>
+            <p:ph type="sldNum" sz="quarter" idx="10"/>
+          </p:nvPr>
+        </p:nvSpPr>
+        <p:spPr/>
+        <p:txBody>
+          <a:bodyPr/>
+          <a:lstStyle/>
+          <a:p>
+            <a:fld id="{2D389D1D-D919-4655-94F6-60742D744A2E}" type="slidenum">
+              <a:rPr lang="en-US" smtClean="0"/>
+              <a:t>3</a:t>
+            </a:fld>
+            <a:endParaRPr lang="en-US"/>
+          </a:p>
+        </p:txBody>
+      </p:sp>
+    </p:spTree>
+    <p:extLst>
+      <p:ext uri="{BB962C8B-B14F-4D97-AF65-F5344CB8AC3E}">
+        <p14:creationId xmlns:p14="http://schemas.microsoft.com/office/powerpoint/2010/main" val="135041826"/>
+      </p:ext>
+    </p:extLst>
+  </p:cSld>
+  <p:clrMapOvr>
+    <a:masterClrMapping/>
+  </p:clrMapOvr>
+</p:notes>
+</file>
+
+<file path=ppt/notesSlides/notesSlide4.xml><?xml version="1.0" encoding="utf-8"?>
+<p:notes xmlns:a="http://schemas.openxmlformats.org/drawingml/2006/main" xmlns:r="http://schemas.openxmlformats.org/officeDocument/2006/relationships" xmlns:p="http://schemas.openxmlformats.org/presentationml/2006/main">
+  <p:cSld>
+    <p:spTree>
+      <p:nvGrpSpPr>
+        <p:cNvPr id="1" name=""/>
+        <p:cNvGrpSpPr/>
+        <p:nvPr/>
+      </p:nvGrpSpPr>
+      <p:grpSpPr>
+        <a:xfrm>
+          <a:off x="0" y="0"/>
+          <a:ext cx="0" cy="0"/>
+          <a:chOff x="0" y="0"/>
+          <a:chExt cx="0" cy="0"/>
+        </a:xfrm>
+      </p:grpSpPr>
+      <p:sp>
+        <p:nvSpPr>
+          <p:cNvPr id="2" name="Slide Image Placeholder 1"/>
+          <p:cNvSpPr>
+            <a:spLocks noGrp="1" noRot="1" noChangeAspect="1"/>
+          </p:cNvSpPr>
+          <p:nvPr>
+            <p:ph type="sldImg"/>
+          </p:nvPr>
+        </p:nvSpPr>
+        <p:spPr/>
+      </p:sp>
+      <p:sp>
+        <p:nvSpPr>
+          <p:cNvPr id="3" name="Notes Placeholder 2"/>
+          <p:cNvSpPr>
+            <a:spLocks noGrp="1"/>
+          </p:cNvSpPr>
+          <p:nvPr>
+            <p:ph type="body" idx="1"/>
+          </p:nvPr>
+        </p:nvSpPr>
+        <p:spPr/>
+        <p:txBody>
+          <a:bodyPr/>
+          <a:lstStyle/>
+          <a:p>
+            <a:endParaRPr lang="en-US"/>
+          </a:p>
+        </p:txBody>
+      </p:sp>
+      <p:sp>
+        <p:nvSpPr>
+          <p:cNvPr id="4" name="Slide Number Placeholder 3"/>
+          <p:cNvSpPr>
+            <a:spLocks noGrp="1"/>
+          </p:cNvSpPr>
+          <p:nvPr>
+            <p:ph type="sldNum" sz="quarter" idx="10"/>
+          </p:nvPr>
+        </p:nvSpPr>
+        <p:spPr/>
+        <p:txBody>
+          <a:bodyPr/>
+          <a:lstStyle/>
+          <a:p>
+            <a:fld id="{2D389D1D-D919-4655-94F6-60742D744A2E}" type="slidenum">
+              <a:rPr lang="en-US" smtClean="0"/>
+              <a:t>4</a:t>
+            </a:fld>
+            <a:endParaRPr lang="en-US"/>
+          </a:p>
+        </p:txBody>
+      </p:sp>
+    </p:spTree>
+    <p:extLst>
+      <p:ext uri="{BB962C8B-B14F-4D97-AF65-F5344CB8AC3E}">
+        <p14:creationId xmlns:p14="http://schemas.microsoft.com/office/powerpoint/2010/main" val="3570950373"/>
+      </p:ext>
+    </p:extLst>
+  </p:cSld>
+  <p:clrMapOvr>
+    <a:masterClrMapping/>
+  </p:clrMapOvr>
+</p:notes>
+</file>
+
+<file path=ppt/notesSlides/notesSlide5.xml><?xml version="1.0" encoding="utf-8"?>
+<p:notes xmlns:a="http://schemas.openxmlformats.org/drawingml/2006/main" xmlns:r="http://schemas.openxmlformats.org/officeDocument/2006/relationships" xmlns:p="http://schemas.openxmlformats.org/presentationml/2006/main">
+  <p:cSld>
+    <p:spTree>
+      <p:nvGrpSpPr>
+        <p:cNvPr id="1" name=""/>
+        <p:cNvGrpSpPr/>
+        <p:nvPr/>
+      </p:nvGrpSpPr>
+      <p:grpSpPr>
+        <a:xfrm>
+          <a:off x="0" y="0"/>
+          <a:ext cx="0" cy="0"/>
+          <a:chOff x="0" y="0"/>
+          <a:chExt cx="0" cy="0"/>
+        </a:xfrm>
+      </p:grpSpPr>
+      <p:sp>
+        <p:nvSpPr>
+          <p:cNvPr id="2" name="Slide Image Placeholder 1"/>
+          <p:cNvSpPr>
+            <a:spLocks noGrp="1" noRot="1" noChangeAspect="1"/>
+          </p:cNvSpPr>
+          <p:nvPr>
+            <p:ph type="sldImg"/>
+          </p:nvPr>
+        </p:nvSpPr>
+        <p:spPr/>
+      </p:sp>
+      <p:sp>
+        <p:nvSpPr>
+          <p:cNvPr id="3" name="Notes Placeholder 2"/>
+          <p:cNvSpPr>
+            <a:spLocks noGrp="1"/>
+          </p:cNvSpPr>
+          <p:nvPr>
+            <p:ph type="body" idx="1"/>
+          </p:nvPr>
+        </p:nvSpPr>
+        <p:spPr/>
+        <p:txBody>
+          <a:bodyPr/>
+          <a:lstStyle/>
+          <a:p>
+            <a:endParaRPr lang="en-US"/>
+          </a:p>
+        </p:txBody>
+      </p:sp>
+      <p:sp>
+        <p:nvSpPr>
+          <p:cNvPr id="4" name="Slide Number Placeholder 3"/>
+          <p:cNvSpPr>
+            <a:spLocks noGrp="1"/>
+          </p:cNvSpPr>
+          <p:nvPr>
+            <p:ph type="sldNum" sz="quarter" idx="10"/>
+          </p:nvPr>
+        </p:nvSpPr>
+        <p:spPr/>
+        <p:txBody>
+          <a:bodyPr/>
+          <a:lstStyle/>
+          <a:p>
+            <a:fld id="{2D389D1D-D919-4655-94F6-60742D744A2E}" type="slidenum">
+              <a:rPr lang="en-US" smtClean="0"/>
+              <a:t>5</a:t>
+            </a:fld>
+            <a:endParaRPr lang="en-US"/>
+          </a:p>
+        </p:txBody>
+      </p:sp>
+    </p:spTree>
+    <p:extLst>
+      <p:ext uri="{BB962C8B-B14F-4D97-AF65-F5344CB8AC3E}">
+        <p14:creationId xmlns:p14="http://schemas.microsoft.com/office/powerpoint/2010/main" val="3838273001"/>
+      </p:ext>
+    </p:extLst>
+  </p:cSld>
+  <p:clrMapOvr>
+    <a:masterClrMapping/>
+  </p:clrMapOvr>
+</p:notes>
+</file>
+
+<file path=ppt/notesSlides/notesSlide6.xml><?xml version="1.0" encoding="utf-8"?>
+<p:notes xmlns:a="http://schemas.openxmlformats.org/drawingml/2006/main" xmlns:r="http://schemas.openxmlformats.org/officeDocument/2006/relationships" xmlns:p="http://schemas.openxmlformats.org/presentationml/2006/main">
+  <p:cSld>
+    <p:spTree>
+      <p:nvGrpSpPr>
+        <p:cNvPr id="1" name=""/>
+        <p:cNvGrpSpPr/>
+        <p:nvPr/>
+      </p:nvGrpSpPr>
+      <p:grpSpPr>
+        <a:xfrm>
+          <a:off x="0" y="0"/>
+          <a:ext cx="0" cy="0"/>
+          <a:chOff x="0" y="0"/>
+          <a:chExt cx="0" cy="0"/>
+        </a:xfrm>
+      </p:grpSpPr>
+      <p:sp>
+        <p:nvSpPr>
+          <p:cNvPr id="2" name="Slide Image Placeholder 1"/>
+          <p:cNvSpPr>
+            <a:spLocks noGrp="1" noRot="1" noChangeAspect="1"/>
+          </p:cNvSpPr>
+          <p:nvPr>
+            <p:ph type="sldImg"/>
+          </p:nvPr>
+        </p:nvSpPr>
+        <p:spPr/>
+      </p:sp>
+      <p:sp>
+        <p:nvSpPr>
+          <p:cNvPr id="3" name="Notes Placeholder 2"/>
+          <p:cNvSpPr>
+            <a:spLocks noGrp="1"/>
+          </p:cNvSpPr>
+          <p:nvPr>
+            <p:ph type="body" idx="1"/>
+          </p:nvPr>
+        </p:nvSpPr>
+        <p:spPr/>
+        <p:txBody>
+          <a:bodyPr/>
+          <a:lstStyle/>
+          <a:p>
+            <a:endParaRPr lang="en-US"/>
+          </a:p>
+        </p:txBody>
+      </p:sp>
+      <p:sp>
+        <p:nvSpPr>
+          <p:cNvPr id="4" name="Slide Number Placeholder 3"/>
+          <p:cNvSpPr>
+            <a:spLocks noGrp="1"/>
+          </p:cNvSpPr>
+          <p:nvPr>
+            <p:ph type="sldNum" sz="quarter" idx="10"/>
+          </p:nvPr>
+        </p:nvSpPr>
+        <p:spPr/>
+        <p:txBody>
+          <a:bodyPr/>
+          <a:lstStyle/>
+          <a:p>
+            <a:fld id="{2D389D1D-D919-4655-94F6-60742D744A2E}" type="slidenum">
+              <a:rPr lang="en-US" smtClean="0"/>
+              <a:t>6</a:t>
+            </a:fld>
+            <a:endParaRPr lang="en-US"/>
+          </a:p>
+        </p:txBody>
+      </p:sp>
+    </p:spTree>
+    <p:extLst>
+      <p:ext uri="{BB962C8B-B14F-4D97-AF65-F5344CB8AC3E}">
+        <p14:creationId xmlns:p14="http://schemas.microsoft.com/office/powerpoint/2010/main" val="2438015351"/>
+      </p:ext>
+    </p:extLst>
+  </p:cSld>
+  <p:clrMapOvr>
+    <a:masterClrMapping/>
+  </p:clrMapOvr>
+</p:notes>
+</file>
+
+<file path=ppt/notesSlides/notesSlide7.xml><?xml version="1.0" encoding="utf-8"?>
+<p:notes xmlns:a="http://schemas.openxmlformats.org/drawingml/2006/main" xmlns:r="http://schemas.openxmlformats.org/officeDocument/2006/relationships" xmlns:p="http://schemas.openxmlformats.org/presentationml/2006/main">
+  <p:cSld>
+    <p:spTree>
+      <p:nvGrpSpPr>
+        <p:cNvPr id="1" name=""/>
+        <p:cNvGrpSpPr/>
+        <p:nvPr/>
+      </p:nvGrpSpPr>
+      <p:grpSpPr>
+        <a:xfrm>
+          <a:off x="0" y="0"/>
+          <a:ext cx="0" cy="0"/>
+          <a:chOff x="0" y="0"/>
+          <a:chExt cx="0" cy="0"/>
+        </a:xfrm>
+      </p:grpSpPr>
+      <p:sp>
+        <p:nvSpPr>
+          <p:cNvPr id="2" name="Slide Image Placeholder 1"/>
+          <p:cNvSpPr>
+            <a:spLocks noGrp="1" noRot="1" noChangeAspect="1"/>
+          </p:cNvSpPr>
+          <p:nvPr>
+            <p:ph type="sldImg"/>
+          </p:nvPr>
+        </p:nvSpPr>
+        <p:spPr/>
+      </p:sp>
+      <p:sp>
+        <p:nvSpPr>
+          <p:cNvPr id="3" name="Notes Placeholder 2"/>
+          <p:cNvSpPr>
+            <a:spLocks noGrp="1"/>
+          </p:cNvSpPr>
+          <p:nvPr>
+            <p:ph type="body" idx="1"/>
+          </p:nvPr>
+        </p:nvSpPr>
+        <p:spPr/>
+        <p:txBody>
+          <a:bodyPr/>
+          <a:lstStyle/>
+          <a:p>
+            <a:endParaRPr lang="en-US"/>
+          </a:p>
+        </p:txBody>
+      </p:sp>
+      <p:sp>
+        <p:nvSpPr>
+          <p:cNvPr id="4" name="Slide Number Placeholder 3"/>
+          <p:cNvSpPr>
+            <a:spLocks noGrp="1"/>
+          </p:cNvSpPr>
+          <p:nvPr>
+            <p:ph type="sldNum" sz="quarter" idx="10"/>
+          </p:nvPr>
+        </p:nvSpPr>
+        <p:spPr/>
+        <p:txBody>
+          <a:bodyPr/>
+          <a:lstStyle/>
+          <a:p>
+            <a:fld id="{2D389D1D-D919-4655-94F6-60742D744A2E}" type="slidenum">
+              <a:rPr lang="en-US" smtClean="0"/>
+              <a:t>7</a:t>
+            </a:fld>
+            <a:endParaRPr lang="en-US"/>
+          </a:p>
+        </p:txBody>
+      </p:sp>
+    </p:spTree>
+    <p:extLst>
+      <p:ext uri="{BB962C8B-B14F-4D97-AF65-F5344CB8AC3E}">
+        <p14:creationId xmlns:p14="http://schemas.microsoft.com/office/powerpoint/2010/main" val="3870548845"/>
+      </p:ext>
+    </p:extLst>
+  </p:cSld>
+  <p:clrMapOvr>
+    <a:masterClrMapping/>
+  </p:clrMapOvr>
+</p:notes>
+</file>
+
+<file path=ppt/notesSlides/notesSlide8.xml><?xml version="1.0" encoding="utf-8"?>
+<p:notes xmlns:a="http://schemas.openxmlformats.org/drawingml/2006/main" xmlns:r="http://schemas.openxmlformats.org/officeDocument/2006/relationships" xmlns:p="http://schemas.openxmlformats.org/presentationml/2006/main">
+  <p:cSld>
+    <p:spTree>
+      <p:nvGrpSpPr>
+        <p:cNvPr id="1" name=""/>
+        <p:cNvGrpSpPr/>
+        <p:nvPr/>
+      </p:nvGrpSpPr>
+      <p:grpSpPr>
+        <a:xfrm>
+          <a:off x="0" y="0"/>
+          <a:ext cx="0" cy="0"/>
+          <a:chOff x="0" y="0"/>
+          <a:chExt cx="0" cy="0"/>
+        </a:xfrm>
+      </p:grpSpPr>
+      <p:sp>
+        <p:nvSpPr>
+          <p:cNvPr id="2" name="Slide Image Placeholder 1"/>
+          <p:cNvSpPr>
+            <a:spLocks noGrp="1" noRot="1" noChangeAspect="1"/>
+          </p:cNvSpPr>
+          <p:nvPr>
+            <p:ph type="sldImg"/>
+          </p:nvPr>
+        </p:nvSpPr>
+        <p:spPr/>
+      </p:sp>
+      <p:sp>
+        <p:nvSpPr>
+          <p:cNvPr id="3" name="Notes Placeholder 2"/>
+          <p:cNvSpPr>
+            <a:spLocks noGrp="1"/>
+          </p:cNvSpPr>
+          <p:nvPr>
+            <p:ph type="body" idx="1"/>
+          </p:nvPr>
+        </p:nvSpPr>
+        <p:spPr/>
+        <p:txBody>
+          <a:bodyPr/>
+          <a:lstStyle/>
+          <a:p>
+            <a:endParaRPr lang="en-US"/>
+          </a:p>
+        </p:txBody>
+      </p:sp>
+      <p:sp>
+        <p:nvSpPr>
+          <p:cNvPr id="4" name="Slide Number Placeholder 3"/>
+          <p:cNvSpPr>
+            <a:spLocks noGrp="1"/>
+          </p:cNvSpPr>
+          <p:nvPr>
+            <p:ph type="sldNum" sz="quarter" idx="10"/>
+          </p:nvPr>
+        </p:nvSpPr>
+        <p:spPr/>
+        <p:txBody>
+          <a:bodyPr/>
+          <a:lstStyle/>
+          <a:p>
+            <a:fld id="{2D389D1D-D919-4655-94F6-60742D744A2E}" type="slidenum">
+              <a:rPr lang="en-US" smtClean="0"/>
+              <a:t>8</a:t>
+            </a:fld>
+            <a:endParaRPr lang="en-US"/>
+          </a:p>
+        </p:txBody>
+      </p:sp>
+    </p:spTree>
+    <p:extLst>
+      <p:ext uri="{BB962C8B-B14F-4D97-AF65-F5344CB8AC3E}">
+        <p14:creationId xmlns:p14="http://schemas.microsoft.com/office/powerpoint/2010/main" val="2496284587"/>
+      </p:ext>
+    </p:extLst>
+  </p:cSld>
+  <p:clrMapOvr>
+    <a:masterClrMapping/>
+  </p:clrMapOvr>
+</p:notes>
+</file>
+
+<file path=ppt/slideLayouts/slideLayout1.xml><?xml version="1.0" encoding="utf-8"?>
 <p:sldLayout xmlns:a="http://schemas.openxmlformats.org/drawingml/2006/main" xmlns:r="http://schemas.openxmlformats.org/officeDocument/2006/relationships" xmlns:p="http://schemas.openxmlformats.org/presentationml/2006/main" type="title" preserve="1">
   <p:cSld name="Title Slide">
     <p:spTree>
@@ -335,7 +1278,7 @@
           <a:p>
             <a:fld id="{6A8348E4-C2E6-4FBC-B8AF-944A6ED3C378}" type="datetimeFigureOut">
               <a:rPr lang="en-US" smtClean="0"/>
-              <a:t>9/28/2020</a:t>
+              <a:t>9/22/2022</a:t>
             </a:fld>
             <a:endParaRPr lang="en-US"/>
           </a:p>
@@ -396,7 +1339,7 @@
 </p:sldLayout>
 </file>
 
-<file path=ppt\slideLayouts\slideLayout10.xml><?xml version="1.0" encoding="utf-8"?>
+<file path=ppt/slideLayouts/slideLayout10.xml><?xml version="1.0" encoding="utf-8"?>
 <p:sldLayout xmlns:a="http://schemas.openxmlformats.org/drawingml/2006/main" xmlns:r="http://schemas.openxmlformats.org/officeDocument/2006/relationships" xmlns:p="http://schemas.openxmlformats.org/presentationml/2006/main" type="vertTx" preserve="1">
   <p:cSld name="Title and Vertical Text">
     <p:spTree>
@@ -505,7 +1448,7 @@
           <a:p>
             <a:fld id="{6A8348E4-C2E6-4FBC-B8AF-944A6ED3C378}" type="datetimeFigureOut">
               <a:rPr lang="en-US" smtClean="0"/>
-              <a:t>9/28/2020</a:t>
+              <a:t>9/22/2022</a:t>
             </a:fld>
             <a:endParaRPr lang="en-US"/>
           </a:p>
@@ -566,7 +1509,7 @@
 </p:sldLayout>
 </file>
 
-<file path=ppt\slideLayouts\slideLayout11.xml><?xml version="1.0" encoding="utf-8"?>
+<file path=ppt/slideLayouts/slideLayout11.xml><?xml version="1.0" encoding="utf-8"?>
 <p:sldLayout xmlns:a="http://schemas.openxmlformats.org/drawingml/2006/main" xmlns:r="http://schemas.openxmlformats.org/officeDocument/2006/relationships" xmlns:p="http://schemas.openxmlformats.org/presentationml/2006/main" type="vertTitleAndTx" preserve="1">
   <p:cSld name="Vertical Title and Text">
     <p:spTree>
@@ -685,7 +1628,7 @@
           <a:p>
             <a:fld id="{6A8348E4-C2E6-4FBC-B8AF-944A6ED3C378}" type="datetimeFigureOut">
               <a:rPr lang="en-US" smtClean="0"/>
-              <a:t>9/28/2020</a:t>
+              <a:t>9/22/2022</a:t>
             </a:fld>
             <a:endParaRPr lang="en-US"/>
           </a:p>
@@ -746,7 +1689,7 @@
 </p:sldLayout>
 </file>
 
-<file path=ppt\slideLayouts\slideLayout2.xml><?xml version="1.0" encoding="utf-8"?>
+<file path=ppt/slideLayouts/slideLayout2.xml><?xml version="1.0" encoding="utf-8"?>
 <p:sldLayout xmlns:a="http://schemas.openxmlformats.org/drawingml/2006/main" xmlns:r="http://schemas.openxmlformats.org/officeDocument/2006/relationships" xmlns:p="http://schemas.openxmlformats.org/presentationml/2006/main" type="obj" preserve="1">
   <p:cSld name="Title and Content">
     <p:spTree>
@@ -855,7 +1798,7 @@
           <a:p>
             <a:fld id="{6A8348E4-C2E6-4FBC-B8AF-944A6ED3C378}" type="datetimeFigureOut">
               <a:rPr lang="en-US" smtClean="0"/>
-              <a:t>9/28/2020</a:t>
+              <a:t>9/22/2022</a:t>
             </a:fld>
             <a:endParaRPr lang="en-US"/>
           </a:p>
@@ -916,7 +1859,7 @@
 </p:sldLayout>
 </file>
 
-<file path=ppt\slideLayouts\slideLayout3.xml><?xml version="1.0" encoding="utf-8"?>
+<file path=ppt/slideLayouts/slideLayout3.xml><?xml version="1.0" encoding="utf-8"?>
 <p:sldLayout xmlns:a="http://schemas.openxmlformats.org/drawingml/2006/main" xmlns:r="http://schemas.openxmlformats.org/officeDocument/2006/relationships" xmlns:p="http://schemas.openxmlformats.org/presentationml/2006/main" type="secHead" preserve="1">
   <p:cSld name="Section Header">
     <p:spTree>
@@ -1101,7 +2044,7 @@
           <a:p>
             <a:fld id="{6A8348E4-C2E6-4FBC-B8AF-944A6ED3C378}" type="datetimeFigureOut">
               <a:rPr lang="en-US" smtClean="0"/>
-              <a:t>9/28/2020</a:t>
+              <a:t>9/22/2022</a:t>
             </a:fld>
             <a:endParaRPr lang="en-US"/>
           </a:p>
@@ -1162,7 +2105,7 @@
 </p:sldLayout>
 </file>
 
-<file path=ppt\slideLayouts\slideLayout4.xml><?xml version="1.0" encoding="utf-8"?>
+<file path=ppt/slideLayouts/slideLayout4.xml><?xml version="1.0" encoding="utf-8"?>
 <p:sldLayout xmlns:a="http://schemas.openxmlformats.org/drawingml/2006/main" xmlns:r="http://schemas.openxmlformats.org/officeDocument/2006/relationships" xmlns:p="http://schemas.openxmlformats.org/presentationml/2006/main" type="twoObj" preserve="1">
   <p:cSld name="Two Content">
     <p:spTree>
@@ -1333,7 +2276,7 @@
           <a:p>
             <a:fld id="{6A8348E4-C2E6-4FBC-B8AF-944A6ED3C378}" type="datetimeFigureOut">
               <a:rPr lang="en-US" smtClean="0"/>
-              <a:t>9/28/2020</a:t>
+              <a:t>9/22/2022</a:t>
             </a:fld>
             <a:endParaRPr lang="en-US"/>
           </a:p>
@@ -1394,7 +2337,7 @@
 </p:sldLayout>
 </file>
 
-<file path=ppt\slideLayouts\slideLayout5.xml><?xml version="1.0" encoding="utf-8"?>
+<file path=ppt/slideLayouts/slideLayout5.xml><?xml version="1.0" encoding="utf-8"?>
 <p:sldLayout xmlns:a="http://schemas.openxmlformats.org/drawingml/2006/main" xmlns:r="http://schemas.openxmlformats.org/officeDocument/2006/relationships" xmlns:p="http://schemas.openxmlformats.org/presentationml/2006/main" type="twoTxTwoObj" preserve="1">
   <p:cSld name="Comparison">
     <p:spTree>
@@ -1700,7 +2643,7 @@
           <a:p>
             <a:fld id="{6A8348E4-C2E6-4FBC-B8AF-944A6ED3C378}" type="datetimeFigureOut">
               <a:rPr lang="en-US" smtClean="0"/>
-              <a:t>9/28/2020</a:t>
+              <a:t>9/22/2022</a:t>
             </a:fld>
             <a:endParaRPr lang="en-US"/>
           </a:p>
@@ -1761,7 +2704,7 @@
 </p:sldLayout>
 </file>
 
-<file path=ppt\slideLayouts\slideLayout6.xml><?xml version="1.0" encoding="utf-8"?>
+<file path=ppt/slideLayouts/slideLayout6.xml><?xml version="1.0" encoding="utf-8"?>
 <p:sldLayout xmlns:a="http://schemas.openxmlformats.org/drawingml/2006/main" xmlns:r="http://schemas.openxmlformats.org/officeDocument/2006/relationships" xmlns:p="http://schemas.openxmlformats.org/presentationml/2006/main" type="titleOnly" preserve="1">
   <p:cSld name="Title Only">
     <p:spTree>
@@ -1818,7 +2761,7 @@
           <a:p>
             <a:fld id="{6A8348E4-C2E6-4FBC-B8AF-944A6ED3C378}" type="datetimeFigureOut">
               <a:rPr lang="en-US" smtClean="0"/>
-              <a:t>9/28/2020</a:t>
+              <a:t>9/22/2022</a:t>
             </a:fld>
             <a:endParaRPr lang="en-US"/>
           </a:p>
@@ -1879,7 +2822,7 @@
 </p:sldLayout>
 </file>
 
-<file path=ppt\slideLayouts\slideLayout7.xml><?xml version="1.0" encoding="utf-8"?>
+<file path=ppt/slideLayouts/slideLayout7.xml><?xml version="1.0" encoding="utf-8"?>
 <p:sldLayout xmlns:a="http://schemas.openxmlformats.org/drawingml/2006/main" xmlns:r="http://schemas.openxmlformats.org/officeDocument/2006/relationships" xmlns:p="http://schemas.openxmlformats.org/presentationml/2006/main" type="blank" preserve="1">
   <p:cSld name="Blank">
     <p:spTree>
@@ -1913,7 +2856,7 @@
           <a:p>
             <a:fld id="{6A8348E4-C2E6-4FBC-B8AF-944A6ED3C378}" type="datetimeFigureOut">
               <a:rPr lang="en-US" smtClean="0"/>
-              <a:t>9/28/2020</a:t>
+              <a:t>9/22/2022</a:t>
             </a:fld>
             <a:endParaRPr lang="en-US"/>
           </a:p>
@@ -1974,7 +2917,7 @@
 </p:sldLayout>
 </file>
 
-<file path=ppt\slideLayouts\slideLayout8.xml><?xml version="1.0" encoding="utf-8"?>
+<file path=ppt/slideLayouts/slideLayout8.xml><?xml version="1.0" encoding="utf-8"?>
 <p:sldLayout xmlns:a="http://schemas.openxmlformats.org/drawingml/2006/main" xmlns:r="http://schemas.openxmlformats.org/officeDocument/2006/relationships" xmlns:p="http://schemas.openxmlformats.org/presentationml/2006/main" type="objTx" preserve="1">
   <p:cSld name="Content with Caption">
     <p:spTree>
@@ -2190,7 +3133,7 @@
           <a:p>
             <a:fld id="{6A8348E4-C2E6-4FBC-B8AF-944A6ED3C378}" type="datetimeFigureOut">
               <a:rPr lang="en-US" smtClean="0"/>
-              <a:t>9/28/2020</a:t>
+              <a:t>9/22/2022</a:t>
             </a:fld>
             <a:endParaRPr lang="en-US"/>
           </a:p>
@@ -2251,7 +3194,7 @@
 </p:sldLayout>
 </file>
 
-<file path=ppt\slideLayouts\slideLayout9.xml><?xml version="1.0" encoding="utf-8"?>
+<file path=ppt/slideLayouts/slideLayout9.xml><?xml version="1.0" encoding="utf-8"?>
 <p:sldLayout xmlns:a="http://schemas.openxmlformats.org/drawingml/2006/main" xmlns:r="http://schemas.openxmlformats.org/officeDocument/2006/relationships" xmlns:p="http://schemas.openxmlformats.org/presentationml/2006/main" type="picTx" preserve="1">
   <p:cSld name="Picture with Caption">
     <p:spTree>
@@ -2447,7 +3390,7 @@
           <a:p>
             <a:fld id="{6A8348E4-C2E6-4FBC-B8AF-944A6ED3C378}" type="datetimeFigureOut">
               <a:rPr lang="en-US" smtClean="0"/>
-              <a:t>9/28/2020</a:t>
+              <a:t>9/22/2022</a:t>
             </a:fld>
             <a:endParaRPr lang="en-US"/>
           </a:p>
@@ -2508,7 +3451,7 @@
 </p:sldLayout>
 </file>
 
-<file path=ppt\slideMasters\slideMaster1.xml><?xml version="1.0" encoding="utf-8"?>
+<file path=ppt/slideMasters/slideMaster1.xml><?xml version="1.0" encoding="utf-8"?>
 <p:sldMaster xmlns:a="http://schemas.openxmlformats.org/drawingml/2006/main" xmlns:r="http://schemas.openxmlformats.org/officeDocument/2006/relationships" xmlns:p="http://schemas.openxmlformats.org/presentationml/2006/main">
   <p:cSld>
     <p:bg>
@@ -2660,7 +3603,7 @@
           <a:p>
             <a:fld id="{6A8348E4-C2E6-4FBC-B8AF-944A6ED3C378}" type="datetimeFigureOut">
               <a:rPr lang="en-US" smtClean="0"/>
-              <a:t>9/28/2020</a:t>
+              <a:t>9/22/2022</a:t>
             </a:fld>
             <a:endParaRPr lang="en-US"/>
           </a:p>
@@ -3048,7 +3991,7 @@
 </p:sldMaster>
 </file>
 
-<file path=ppt\slides\slide1.xml><?xml version="1.0" encoding="utf-8"?>
+<file path=ppt/slides/slide1.xml><?xml version="1.0" encoding="utf-8"?>
 <p:sld xmlns:a="http://schemas.openxmlformats.org/drawingml/2006/main" xmlns:r="http://schemas.openxmlformats.org/officeDocument/2006/relationships" xmlns:p="http://schemas.openxmlformats.org/presentationml/2006/main">
   <p:cSld>
     <p:spTree>
@@ -3070,7 +4013,7 @@
           <p:cNvPr id="2" name="Title 1">
             <a:extLst>
               <a:ext uri="{FF2B5EF4-FFF2-40B4-BE49-F238E27FC236}">
-                <a16:creationId xmlns:a16="http://schemas.microsoft.com/office/drawing/2014/main" id="{32C56792-CE80-4516-B9BA-A5D74A4B7A97}"/>
+                <a16:creationId xmlns:a16="http://schemas.microsoft.com/office/drawing/2014/main" xmlns="" id="{32C56792-CE80-4516-B9BA-A5D74A4B7A97}"/>
               </a:ext>
             </a:extLst>
           </p:cNvPr>
@@ -3128,6 +4071,9 @@
         </p:txBody>
       </p:sp>
     </p:spTree>
+    <p:custDataLst>
+      <p:tags r:id="rId1"/>
+    </p:custDataLst>
     <p:extLst>
       <p:ext uri="{BB962C8B-B14F-4D97-AF65-F5344CB8AC3E}">
         <p14:creationId xmlns:p14="http://schemas.microsoft.com/office/powerpoint/2010/main" val="2466835407"/>
@@ -3140,7 +4086,7 @@
 </p:sld>
 </file>
 
-<file path=ppt\slides\slide2.xml><?xml version="1.0" encoding="utf-8"?>
+<file path=ppt/slides/slide2.xml><?xml version="1.0" encoding="utf-8"?>
 <p:sld xmlns:a="http://schemas.openxmlformats.org/drawingml/2006/main" xmlns:r="http://schemas.openxmlformats.org/officeDocument/2006/relationships" xmlns:p="http://schemas.openxmlformats.org/presentationml/2006/main">
   <p:cSld>
     <p:spTree>
@@ -3162,7 +4108,7 @@
           <p:cNvPr id="3" name="Content Placeholder 2">
             <a:extLst>
               <a:ext uri="{FF2B5EF4-FFF2-40B4-BE49-F238E27FC236}">
-                <a16:creationId xmlns:a16="http://schemas.microsoft.com/office/drawing/2014/main" id="{07E44A5C-C479-4F05-9E41-83F9F5A90D85}"/>
+                <a16:creationId xmlns:a16="http://schemas.microsoft.com/office/drawing/2014/main" xmlns="" id="{07E44A5C-C479-4F05-9E41-83F9F5A90D85}"/>
               </a:ext>
             </a:extLst>
           </p:cNvPr>
@@ -3203,6 +4149,9 @@
         </p:txBody>
       </p:sp>
     </p:spTree>
+    <p:custDataLst>
+      <p:tags r:id="rId1"/>
+    </p:custDataLst>
     <p:extLst>
       <p:ext uri="{BB962C8B-B14F-4D97-AF65-F5344CB8AC3E}">
         <p14:creationId xmlns:p14="http://schemas.microsoft.com/office/powerpoint/2010/main" val="3794078572"/>
@@ -3215,7 +4164,7 @@
 </p:sld>
 </file>
 
-<file path=ppt\slides\slide3.xml><?xml version="1.0" encoding="utf-8"?>
+<file path=ppt/slides/slide3.xml><?xml version="1.0" encoding="utf-8"?>
 <p:sld xmlns:a="http://schemas.openxmlformats.org/drawingml/2006/main" xmlns:r="http://schemas.openxmlformats.org/officeDocument/2006/relationships" xmlns:p="http://schemas.openxmlformats.org/presentationml/2006/main">
   <p:cSld>
     <p:spTree>
@@ -3237,7 +4186,7 @@
           <p:cNvPr id="3" name="Content Placeholder 2">
             <a:extLst>
               <a:ext uri="{FF2B5EF4-FFF2-40B4-BE49-F238E27FC236}">
-                <a16:creationId xmlns:a16="http://schemas.microsoft.com/office/drawing/2014/main" id="{07E44A5C-C479-4F05-9E41-83F9F5A90D85}"/>
+                <a16:creationId xmlns:a16="http://schemas.microsoft.com/office/drawing/2014/main" xmlns="" id="{07E44A5C-C479-4F05-9E41-83F9F5A90D85}"/>
               </a:ext>
             </a:extLst>
           </p:cNvPr>
@@ -3278,6 +4227,9 @@
         </p:txBody>
       </p:sp>
     </p:spTree>
+    <p:custDataLst>
+      <p:tags r:id="rId1"/>
+    </p:custDataLst>
     <p:extLst>
       <p:ext uri="{BB962C8B-B14F-4D97-AF65-F5344CB8AC3E}">
         <p14:creationId xmlns:p14="http://schemas.microsoft.com/office/powerpoint/2010/main" val="3794078572"/>
@@ -3290,7 +4242,7 @@
 </p:sld>
 </file>
 
-<file path=ppt\slides\slide4.xml><?xml version="1.0" encoding="utf-8"?>
+<file path=ppt/slides/slide4.xml><?xml version="1.0" encoding="utf-8"?>
 <p:sld xmlns:a="http://schemas.openxmlformats.org/drawingml/2006/main" xmlns:r="http://schemas.openxmlformats.org/officeDocument/2006/relationships" xmlns:p="http://schemas.openxmlformats.org/presentationml/2006/main">
   <p:cSld>
     <p:spTree>
@@ -3312,7 +4264,7 @@
           <p:cNvPr id="3" name="Content Placeholder 2">
             <a:extLst>
               <a:ext uri="{FF2B5EF4-FFF2-40B4-BE49-F238E27FC236}">
-                <a16:creationId xmlns:a16="http://schemas.microsoft.com/office/drawing/2014/main" id="{07E44A5C-C479-4F05-9E41-83F9F5A90D85}"/>
+                <a16:creationId xmlns:a16="http://schemas.microsoft.com/office/drawing/2014/main" xmlns="" id="{07E44A5C-C479-4F05-9E41-83F9F5A90D85}"/>
               </a:ext>
             </a:extLst>
           </p:cNvPr>
@@ -3353,6 +4305,9 @@
         </p:txBody>
       </p:sp>
     </p:spTree>
+    <p:custDataLst>
+      <p:tags r:id="rId1"/>
+    </p:custDataLst>
     <p:extLst>
       <p:ext uri="{BB962C8B-B14F-4D97-AF65-F5344CB8AC3E}">
         <p14:creationId xmlns:p14="http://schemas.microsoft.com/office/powerpoint/2010/main" val="3794078572"/>
@@ -3365,7 +4320,7 @@
 </p:sld>
 </file>
 
-<file path=ppt\slides\slide5.xml><?xml version="1.0" encoding="utf-8"?>
+<file path=ppt/slides/slide5.xml><?xml version="1.0" encoding="utf-8"?>
 <p:sld xmlns:a="http://schemas.openxmlformats.org/drawingml/2006/main" xmlns:r="http://schemas.openxmlformats.org/officeDocument/2006/relationships" xmlns:p="http://schemas.openxmlformats.org/presentationml/2006/main">
   <p:cSld>
     <p:spTree>
@@ -3387,7 +4342,7 @@
           <p:cNvPr id="3" name="Content Placeholder 2">
             <a:extLst>
               <a:ext uri="{FF2B5EF4-FFF2-40B4-BE49-F238E27FC236}">
-                <a16:creationId xmlns:a16="http://schemas.microsoft.com/office/drawing/2014/main" id="{07E44A5C-C479-4F05-9E41-83F9F5A90D85}"/>
+                <a16:creationId xmlns:a16="http://schemas.microsoft.com/office/drawing/2014/main" xmlns="" id="{07E44A5C-C479-4F05-9E41-83F9F5A90D85}"/>
               </a:ext>
             </a:extLst>
           </p:cNvPr>
@@ -3428,6 +4383,9 @@
         </p:txBody>
       </p:sp>
     </p:spTree>
+    <p:custDataLst>
+      <p:tags r:id="rId1"/>
+    </p:custDataLst>
     <p:extLst>
       <p:ext uri="{BB962C8B-B14F-4D97-AF65-F5344CB8AC3E}">
         <p14:creationId xmlns:p14="http://schemas.microsoft.com/office/powerpoint/2010/main" val="3794078572"/>
@@ -3440,7 +4398,7 @@
 </p:sld>
 </file>
 
-<file path=ppt\slides\slide6.xml><?xml version="1.0" encoding="utf-8"?>
+<file path=ppt/slides/slide6.xml><?xml version="1.0" encoding="utf-8"?>
 <p:sld xmlns:a="http://schemas.openxmlformats.org/drawingml/2006/main" xmlns:r="http://schemas.openxmlformats.org/officeDocument/2006/relationships" xmlns:p="http://schemas.openxmlformats.org/presentationml/2006/main">
   <p:cSld>
     <p:spTree>
@@ -3462,7 +4420,7 @@
           <p:cNvPr id="3" name="Content Placeholder 2">
             <a:extLst>
               <a:ext uri="{FF2B5EF4-FFF2-40B4-BE49-F238E27FC236}">
-                <a16:creationId xmlns:a16="http://schemas.microsoft.com/office/drawing/2014/main" id="{07E44A5C-C479-4F05-9E41-83F9F5A90D85}"/>
+                <a16:creationId xmlns:a16="http://schemas.microsoft.com/office/drawing/2014/main" xmlns="" id="{07E44A5C-C479-4F05-9E41-83F9F5A90D85}"/>
               </a:ext>
             </a:extLst>
           </p:cNvPr>
@@ -3503,6 +4461,9 @@
         </p:txBody>
       </p:sp>
     </p:spTree>
+    <p:custDataLst>
+      <p:tags r:id="rId1"/>
+    </p:custDataLst>
     <p:extLst>
       <p:ext uri="{BB962C8B-B14F-4D97-AF65-F5344CB8AC3E}">
         <p14:creationId xmlns:p14="http://schemas.microsoft.com/office/powerpoint/2010/main" val="3794078572"/>
@@ -3515,7 +4476,7 @@
 </p:sld>
 </file>
 
-<file path=ppt\slides\slide7.xml><?xml version="1.0" encoding="utf-8"?>
+<file path=ppt/slides/slide7.xml><?xml version="1.0" encoding="utf-8"?>
 <p:sld xmlns:a="http://schemas.openxmlformats.org/drawingml/2006/main" xmlns:r="http://schemas.openxmlformats.org/officeDocument/2006/relationships" xmlns:p="http://schemas.openxmlformats.org/presentationml/2006/main">
   <p:cSld>
     <p:spTree>
@@ -3537,7 +4498,7 @@
           <p:cNvPr id="3" name="Content Placeholder 2">
             <a:extLst>
               <a:ext uri="{FF2B5EF4-FFF2-40B4-BE49-F238E27FC236}">
-                <a16:creationId xmlns:a16="http://schemas.microsoft.com/office/drawing/2014/main" id="{07E44A5C-C479-4F05-9E41-83F9F5A90D85}"/>
+                <a16:creationId xmlns:a16="http://schemas.microsoft.com/office/drawing/2014/main" xmlns="" id="{07E44A5C-C479-4F05-9E41-83F9F5A90D85}"/>
               </a:ext>
             </a:extLst>
           </p:cNvPr>
@@ -3578,6 +4539,9 @@
         </p:txBody>
       </p:sp>
     </p:spTree>
+    <p:custDataLst>
+      <p:tags r:id="rId1"/>
+    </p:custDataLst>
     <p:extLst>
       <p:ext uri="{BB962C8B-B14F-4D97-AF65-F5344CB8AC3E}">
         <p14:creationId xmlns:p14="http://schemas.microsoft.com/office/powerpoint/2010/main" val="3794078572"/>
@@ -3590,7 +4554,7 @@
 </p:sld>
 </file>
 
-<file path=ppt\slides\slide8.xml><?xml version="1.0" encoding="utf-8"?>
+<file path=ppt/slides/slide8.xml><?xml version="1.0" encoding="utf-8"?>
 <p:sld xmlns:a="http://schemas.openxmlformats.org/drawingml/2006/main" xmlns:r="http://schemas.openxmlformats.org/officeDocument/2006/relationships" xmlns:p="http://schemas.openxmlformats.org/presentationml/2006/main">
   <p:cSld>
     <p:spTree>
@@ -3612,7 +4576,7 @@
           <p:cNvPr id="3" name="Content Placeholder 2">
             <a:extLst>
               <a:ext uri="{FF2B5EF4-FFF2-40B4-BE49-F238E27FC236}">
-                <a16:creationId xmlns:a16="http://schemas.microsoft.com/office/drawing/2014/main" id="{07E44A5C-C479-4F05-9E41-83F9F5A90D85}"/>
+                <a16:creationId xmlns:a16="http://schemas.microsoft.com/office/drawing/2014/main" xmlns="" id="{07E44A5C-C479-4F05-9E41-83F9F5A90D85}"/>
               </a:ext>
             </a:extLst>
           </p:cNvPr>
@@ -3653,6 +4617,9 @@
         </p:txBody>
       </p:sp>
     </p:spTree>
+    <p:custDataLst>
+      <p:tags r:id="rId1"/>
+    </p:custDataLst>
     <p:extLst>
       <p:ext uri="{BB962C8B-B14F-4D97-AF65-F5344CB8AC3E}">
         <p14:creationId xmlns:p14="http://schemas.microsoft.com/office/powerpoint/2010/main" val="3794078572"/>
@@ -3665,11 +4632,62 @@
 </p:sld>
 </file>
 
-<file path=ppt\tableStyles.xml><?xml version="1.0" encoding="utf-8"?>
-<a:tblStyleLst xmlns:a="http://schemas.openxmlformats.org/drawingml/2006/main" def="{5C22544A-7EE6-4342-B048-85BDC9FD1C3A}"/>
+<file path=ppt/tags/tag1.xml><?xml version="1.0" encoding="utf-8"?>
+<p:tagLst xmlns:a="http://schemas.openxmlformats.org/drawingml/2006/main" xmlns:r="http://schemas.openxmlformats.org/officeDocument/2006/relationships" xmlns:p="http://schemas.openxmlformats.org/presentationml/2006/main">
+  <p:tag name="ISPRING_PRESENTATION_COURSE_TITLE" val="1662515239603"/>
+  <p:tag name="ISPRING_PRESENTATION_TITLE" val="1662515239603"/>
+</p:tagLst>
 </file>
 
-<file path=ppt\theme\theme1.xml><?xml version="1.0" encoding="utf-8"?>
+<file path=ppt/tags/tag2.xml><?xml version="1.0" encoding="utf-8"?>
+<p:tagLst xmlns:a="http://schemas.openxmlformats.org/drawingml/2006/main" xmlns:r="http://schemas.openxmlformats.org/officeDocument/2006/relationships" xmlns:p="http://schemas.openxmlformats.org/presentationml/2006/main">
+  <p:tag name="GENSWF_SLIDE_UID" val="{E00773B4-BE05-4C7A-887B-A1D0D3C5611F}:256"/>
+</p:tagLst>
+</file>
+
+<file path=ppt/tags/tag3.xml><?xml version="1.0" encoding="utf-8"?>
+<p:tagLst xmlns:a="http://schemas.openxmlformats.org/drawingml/2006/main" xmlns:r="http://schemas.openxmlformats.org/officeDocument/2006/relationships" xmlns:p="http://schemas.openxmlformats.org/presentationml/2006/main">
+  <p:tag name="GENSWF_SLIDE_UID" val="{D5F9FD62-D179-495B-8865-F63E0862EF1E}:257"/>
+</p:tagLst>
+</file>
+
+<file path=ppt/tags/tag4.xml><?xml version="1.0" encoding="utf-8"?>
+<p:tagLst xmlns:a="http://schemas.openxmlformats.org/drawingml/2006/main" xmlns:r="http://schemas.openxmlformats.org/officeDocument/2006/relationships" xmlns:p="http://schemas.openxmlformats.org/presentationml/2006/main">
+  <p:tag name="GENSWF_SLIDE_UID" val="{707F69C3-938C-4EBD-98F6-2570FECC6C6F}:258"/>
+</p:tagLst>
+</file>
+
+<file path=ppt/tags/tag5.xml><?xml version="1.0" encoding="utf-8"?>
+<p:tagLst xmlns:a="http://schemas.openxmlformats.org/drawingml/2006/main" xmlns:r="http://schemas.openxmlformats.org/officeDocument/2006/relationships" xmlns:p="http://schemas.openxmlformats.org/presentationml/2006/main">
+  <p:tag name="GENSWF_SLIDE_UID" val="{4A834705-436C-482C-9487-CCF91623F877}:259"/>
+</p:tagLst>
+</file>
+
+<file path=ppt/tags/tag6.xml><?xml version="1.0" encoding="utf-8"?>
+<p:tagLst xmlns:a="http://schemas.openxmlformats.org/drawingml/2006/main" xmlns:r="http://schemas.openxmlformats.org/officeDocument/2006/relationships" xmlns:p="http://schemas.openxmlformats.org/presentationml/2006/main">
+  <p:tag name="GENSWF_SLIDE_UID" val="{79DF5EE1-A256-4CF6-890A-CF982DBA15B3}:260"/>
+</p:tagLst>
+</file>
+
+<file path=ppt/tags/tag7.xml><?xml version="1.0" encoding="utf-8"?>
+<p:tagLst xmlns:a="http://schemas.openxmlformats.org/drawingml/2006/main" xmlns:r="http://schemas.openxmlformats.org/officeDocument/2006/relationships" xmlns:p="http://schemas.openxmlformats.org/presentationml/2006/main">
+  <p:tag name="GENSWF_SLIDE_UID" val="{9BBF966E-4BFE-4644-AD92-7B589B88E310}:261"/>
+</p:tagLst>
+</file>
+
+<file path=ppt/tags/tag8.xml><?xml version="1.0" encoding="utf-8"?>
+<p:tagLst xmlns:a="http://schemas.openxmlformats.org/drawingml/2006/main" xmlns:r="http://schemas.openxmlformats.org/officeDocument/2006/relationships" xmlns:p="http://schemas.openxmlformats.org/presentationml/2006/main">
+  <p:tag name="GENSWF_SLIDE_UID" val="{9503AB01-55ED-4ED6-9DD0-98B852860237}:262"/>
+</p:tagLst>
+</file>
+
+<file path=ppt/tags/tag9.xml><?xml version="1.0" encoding="utf-8"?>
+<p:tagLst xmlns:a="http://schemas.openxmlformats.org/drawingml/2006/main" xmlns:r="http://schemas.openxmlformats.org/officeDocument/2006/relationships" xmlns:p="http://schemas.openxmlformats.org/presentationml/2006/main">
+  <p:tag name="GENSWF_SLIDE_UID" val="{443F4FA3-C3E7-41F5-AA14-4D8D62B8CE52}:263"/>
+</p:tagLst>
+</file>
+
+<file path=ppt/theme/theme1.xml><?xml version="1.0" encoding="utf-8"?>
 <a:theme xmlns:a="http://schemas.openxmlformats.org/drawingml/2006/main" name="Office Theme">
   <a:themeElements>
     <a:clrScheme name="Office Theme">
@@ -3930,33 +4948,263 @@
 </a:theme>
 </file>
 
-<file path=ppt\viewProps.xml><?xml version="1.0" encoding="utf-8"?>
-<p:viewPr xmlns:a="http://schemas.openxmlformats.org/drawingml/2006/main" xmlns:r="http://schemas.openxmlformats.org/officeDocument/2006/relationships" xmlns:p="http://schemas.openxmlformats.org/presentationml/2006/main">
-  <p:normalViewPr>
-    <p:restoredLeft sz="15620"/>
-    <p:restoredTop sz="94660"/>
-  </p:normalViewPr>
-  <p:slideViewPr>
-    <p:cSldViewPr snapToGrid="0">
-      <p:cViewPr varScale="1">
-        <p:scale>
-          <a:sx n="74" d="100"/>
-          <a:sy n="74" d="100"/>
-        </p:scale>
-        <p:origin x="552" y="54"/>
-      </p:cViewPr>
-      <p:guideLst/>
-    </p:cSldViewPr>
-  </p:slideViewPr>
-  <p:notesTextViewPr>
-    <p:cViewPr>
-      <p:scale>
-        <a:sx n="1" d="1"/>
-        <a:sy n="1" d="1"/>
-      </p:scale>
-      <p:origin x="0" y="0"/>
-    </p:cViewPr>
-  </p:notesTextViewPr>
-  <p:gridSpacing cx="72008" cy="72008"/>
-</p:viewPr>
+<file path=ppt/theme/theme2.xml><?xml version="1.0" encoding="utf-8"?>
+<a:theme xmlns:a="http://schemas.openxmlformats.org/drawingml/2006/main" name="Office Theme">
+  <a:themeElements>
+    <a:clrScheme name="Office">
+      <a:dk1>
+        <a:sysClr val="windowText" lastClr="000000"/>
+      </a:dk1>
+      <a:lt1>
+        <a:sysClr val="window" lastClr="FFFFFF"/>
+      </a:lt1>
+      <a:dk2>
+        <a:srgbClr val="44546A"/>
+      </a:dk2>
+      <a:lt2>
+        <a:srgbClr val="E7E6E6"/>
+      </a:lt2>
+      <a:accent1>
+        <a:srgbClr val="5B9BD5"/>
+      </a:accent1>
+      <a:accent2>
+        <a:srgbClr val="ED7D31"/>
+      </a:accent2>
+      <a:accent3>
+        <a:srgbClr val="A5A5A5"/>
+      </a:accent3>
+      <a:accent4>
+        <a:srgbClr val="FFC000"/>
+      </a:accent4>
+      <a:accent5>
+        <a:srgbClr val="4472C4"/>
+      </a:accent5>
+      <a:accent6>
+        <a:srgbClr val="70AD47"/>
+      </a:accent6>
+      <a:hlink>
+        <a:srgbClr val="0563C1"/>
+      </a:hlink>
+      <a:folHlink>
+        <a:srgbClr val="954F72"/>
+      </a:folHlink>
+    </a:clrScheme>
+    <a:fontScheme name="Office">
+      <a:majorFont>
+        <a:latin typeface="Calibri Light" panose="020F0302020204030204"/>
+        <a:ea typeface=""/>
+        <a:cs typeface=""/>
+        <a:font script="Jpan" typeface="ＭＳ Ｐゴシック"/>
+        <a:font script="Hang" typeface="맑은 고딕"/>
+        <a:font script="Hans" typeface="宋体"/>
+        <a:font script="Hant" typeface="新細明體"/>
+        <a:font script="Arab" typeface="Times New Roman"/>
+        <a:font script="Hebr" typeface="Times New Roman"/>
+        <a:font script="Thai" typeface="Angsana New"/>
+        <a:font script="Ethi" typeface="Nyala"/>
+        <a:font script="Beng" typeface="Vrinda"/>
+        <a:font script="Gujr" typeface="Shruti"/>
+        <a:font script="Khmr" typeface="MoolBoran"/>
+        <a:font script="Knda" typeface="Tunga"/>
+        <a:font script="Guru" typeface="Raavi"/>
+        <a:font script="Cans" typeface="Euphemia"/>
+        <a:font script="Cher" typeface="Plantagenet Cherokee"/>
+        <a:font script="Yiii" typeface="Microsoft Yi Baiti"/>
+        <a:font script="Tibt" typeface="Microsoft Himalaya"/>
+        <a:font script="Thaa" typeface="MV Boli"/>
+        <a:font script="Deva" typeface="Mangal"/>
+        <a:font script="Telu" typeface="Gautami"/>
+        <a:font script="Taml" typeface="Latha"/>
+        <a:font script="Syrc" typeface="Estrangelo Edessa"/>
+        <a:font script="Orya" typeface="Kalinga"/>
+        <a:font script="Mlym" typeface="Kartika"/>
+        <a:font script="Laoo" typeface="DokChampa"/>
+        <a:font script="Sinh" typeface="Iskoola Pota"/>
+        <a:font script="Mong" typeface="Mongolian Baiti"/>
+        <a:font script="Viet" typeface="Times New Roman"/>
+        <a:font script="Uigh" typeface="Microsoft Uighur"/>
+        <a:font script="Geor" typeface="Sylfaen"/>
+      </a:majorFont>
+      <a:minorFont>
+        <a:latin typeface="Calibri" panose="020F0502020204030204"/>
+        <a:ea typeface=""/>
+        <a:cs typeface=""/>
+        <a:font script="Jpan" typeface="ＭＳ Ｐゴシック"/>
+        <a:font script="Hang" typeface="맑은 고딕"/>
+        <a:font script="Hans" typeface="宋体"/>
+        <a:font script="Hant" typeface="新細明體"/>
+        <a:font script="Arab" typeface="Arial"/>
+        <a:font script="Hebr" typeface="Arial"/>
+        <a:font script="Thai" typeface="Cordia New"/>
+        <a:font script="Ethi" typeface="Nyala"/>
+        <a:font script="Beng" typeface="Vrinda"/>
+        <a:font script="Gujr" typeface="Shruti"/>
+        <a:font script="Khmr" typeface="DaunPenh"/>
+        <a:font script="Knda" typeface="Tunga"/>
+        <a:font script="Guru" typeface="Raavi"/>
+        <a:font script="Cans" typeface="Euphemia"/>
+        <a:font script="Cher" typeface="Plantagenet Cherokee"/>
+        <a:font script="Yiii" typeface="Microsoft Yi Baiti"/>
+        <a:font script="Tibt" typeface="Microsoft Himalaya"/>
+        <a:font script="Thaa" typeface="MV Boli"/>
+        <a:font script="Deva" typeface="Mangal"/>
+        <a:font script="Telu" typeface="Gautami"/>
+        <a:font script="Taml" typeface="Latha"/>
+        <a:font script="Syrc" typeface="Estrangelo Edessa"/>
+        <a:font script="Orya" typeface="Kalinga"/>
+        <a:font script="Mlym" typeface="Kartika"/>
+        <a:font script="Laoo" typeface="DokChampa"/>
+        <a:font script="Sinh" typeface="Iskoola Pota"/>
+        <a:font script="Mong" typeface="Mongolian Baiti"/>
+        <a:font script="Viet" typeface="Arial"/>
+        <a:font script="Uigh" typeface="Microsoft Uighur"/>
+        <a:font script="Geor" typeface="Sylfaen"/>
+      </a:minorFont>
+    </a:fontScheme>
+    <a:fmtScheme name="Office">
+      <a:fillStyleLst>
+        <a:solidFill>
+          <a:schemeClr val="phClr"/>
+        </a:solidFill>
+        <a:gradFill rotWithShape="1">
+          <a:gsLst>
+            <a:gs pos="0">
+              <a:schemeClr val="phClr">
+                <a:lumMod val="110000"/>
+                <a:satMod val="105000"/>
+                <a:tint val="67000"/>
+              </a:schemeClr>
+            </a:gs>
+            <a:gs pos="50000">
+              <a:schemeClr val="phClr">
+                <a:lumMod val="105000"/>
+                <a:satMod val="103000"/>
+                <a:tint val="73000"/>
+              </a:schemeClr>
+            </a:gs>
+            <a:gs pos="100000">
+              <a:schemeClr val="phClr">
+                <a:lumMod val="105000"/>
+                <a:satMod val="109000"/>
+                <a:tint val="81000"/>
+              </a:schemeClr>
+            </a:gs>
+          </a:gsLst>
+          <a:lin ang="5400000" scaled="0"/>
+        </a:gradFill>
+        <a:gradFill rotWithShape="1">
+          <a:gsLst>
+            <a:gs pos="0">
+              <a:schemeClr val="phClr">
+                <a:satMod val="103000"/>
+                <a:lumMod val="102000"/>
+                <a:tint val="94000"/>
+              </a:schemeClr>
+            </a:gs>
+            <a:gs pos="50000">
+              <a:schemeClr val="phClr">
+                <a:satMod val="110000"/>
+                <a:lumMod val="100000"/>
+                <a:shade val="100000"/>
+              </a:schemeClr>
+            </a:gs>
+            <a:gs pos="100000">
+              <a:schemeClr val="phClr">
+                <a:lumMod val="99000"/>
+                <a:satMod val="120000"/>
+                <a:shade val="78000"/>
+              </a:schemeClr>
+            </a:gs>
+          </a:gsLst>
+          <a:lin ang="5400000" scaled="0"/>
+        </a:gradFill>
+      </a:fillStyleLst>
+      <a:lnStyleLst>
+        <a:ln w="6350" cap="flat" cmpd="sng" algn="ctr">
+          <a:solidFill>
+            <a:schemeClr val="phClr"/>
+          </a:solidFill>
+          <a:prstDash val="solid"/>
+          <a:miter lim="800000"/>
+        </a:ln>
+        <a:ln w="12700" cap="flat" cmpd="sng" algn="ctr">
+          <a:solidFill>
+            <a:schemeClr val="phClr"/>
+          </a:solidFill>
+          <a:prstDash val="solid"/>
+          <a:miter lim="800000"/>
+        </a:ln>
+        <a:ln w="19050" cap="flat" cmpd="sng" algn="ctr">
+          <a:solidFill>
+            <a:schemeClr val="phClr"/>
+          </a:solidFill>
+          <a:prstDash val="solid"/>
+          <a:miter lim="800000"/>
+        </a:ln>
+      </a:lnStyleLst>
+      <a:effectStyleLst>
+        <a:effectStyle>
+          <a:effectLst/>
+        </a:effectStyle>
+        <a:effectStyle>
+          <a:effectLst/>
+        </a:effectStyle>
+        <a:effectStyle>
+          <a:effectLst>
+            <a:outerShdw blurRad="57150" dist="19050" dir="5400000" algn="ctr" rotWithShape="0">
+              <a:srgbClr val="000000">
+                <a:alpha val="63000"/>
+              </a:srgbClr>
+            </a:outerShdw>
+          </a:effectLst>
+        </a:effectStyle>
+      </a:effectStyleLst>
+      <a:bgFillStyleLst>
+        <a:solidFill>
+          <a:schemeClr val="phClr"/>
+        </a:solidFill>
+        <a:solidFill>
+          <a:schemeClr val="phClr">
+            <a:tint val="95000"/>
+            <a:satMod val="170000"/>
+          </a:schemeClr>
+        </a:solidFill>
+        <a:gradFill rotWithShape="1">
+          <a:gsLst>
+            <a:gs pos="0">
+              <a:schemeClr val="phClr">
+                <a:tint val="93000"/>
+                <a:satMod val="150000"/>
+                <a:shade val="98000"/>
+                <a:lumMod val="102000"/>
+              </a:schemeClr>
+            </a:gs>
+            <a:gs pos="50000">
+              <a:schemeClr val="phClr">
+                <a:tint val="98000"/>
+                <a:satMod val="130000"/>
+                <a:shade val="90000"/>
+                <a:lumMod val="103000"/>
+              </a:schemeClr>
+            </a:gs>
+            <a:gs pos="100000">
+              <a:schemeClr val="phClr">
+                <a:shade val="63000"/>
+                <a:satMod val="120000"/>
+              </a:schemeClr>
+            </a:gs>
+          </a:gsLst>
+          <a:lin ang="5400000" scaled="0"/>
+        </a:gradFill>
+      </a:bgFillStyleLst>
+    </a:fmtScheme>
+  </a:themeElements>
+  <a:objectDefaults/>
+  <a:extraClrSchemeLst/>
+  <a:extLst>
+    <a:ext uri="{05A4C25C-085E-4340-85A3-A5531E510DB2}">
+      <thm15:themeFamily xmlns:thm15="http://schemas.microsoft.com/office/thememl/2012/main" name="Office Theme" id="{62F939B6-93AF-4DB8-9C6B-D6C7DFDC589F}" vid="{4A3C46E8-61CC-4603-A589-7422A47A8E4A}"/>
+    </a:ext>
+  </a:extLst>
+</a:theme>
 </file>